--- a/A. Raspberry Pi - Image Processing/#5 - Computer Vision Part 1 (read, show, write image)/P5 - Computer Vision Part 1 (read, show, write image).pptx
+++ b/A. Raspberry Pi - Image Processing/#5 - Computer Vision Part 1 (read, show, write image)/P5 - Computer Vision Part 1 (read, show, write image).pptx
@@ -29,7 +29,8 @@
     <p:sldId id="490" r:id="rId22"/>
     <p:sldId id="491" r:id="rId23"/>
     <p:sldId id="492" r:id="rId24"/>
-    <p:sldId id="280" r:id="rId25"/>
+    <p:sldId id="507" r:id="rId25"/>
+    <p:sldId id="280" r:id="rId26"/>
   </p:sldIdLst>
   <p:sldSz cx="12192000" cy="6858000"/>
   <p:notesSz cx="6858000" cy="9144000"/>
@@ -567,6 +568,50 @@
 </file>
 
 <file path=ppt/notesSlides/notesSlide11.xml><?xml version="1.0" encoding="utf-8"?>
+<p:notes xmlns:a="http://schemas.openxmlformats.org/drawingml/2006/main" xmlns:r="http://schemas.openxmlformats.org/officeDocument/2006/relationships" xmlns:p="http://schemas.openxmlformats.org/presentationml/2006/main">
+  <p:cSld>
+    <p:spTree>
+      <p:nvGrpSpPr>
+        <p:cNvPr id="1" name=""/>
+        <p:cNvGrpSpPr/>
+        <p:nvPr/>
+      </p:nvGrpSpPr>
+      <p:grpSpPr/>
+      <p:sp>
+        <p:nvSpPr>
+          <p:cNvPr id="2" name="Slide Image Placeholder 1"/>
+          <p:cNvSpPr/>
+          <p:nvPr>
+            <p:ph type="sldImg" idx="2"/>
+          </p:nvPr>
+        </p:nvSpPr>
+        <p:spPr/>
+      </p:sp>
+      <p:sp>
+        <p:nvSpPr>
+          <p:cNvPr id="3" name="Text Placeholder 2"/>
+          <p:cNvSpPr/>
+          <p:nvPr>
+            <p:ph type="body" idx="3"/>
+          </p:nvPr>
+        </p:nvSpPr>
+        <p:spPr/>
+        <p:txBody>
+          <a:bodyPr/>
+          <a:p>
+            <a:endParaRPr lang="en-US"/>
+          </a:p>
+        </p:txBody>
+      </p:sp>
+    </p:spTree>
+  </p:cSld>
+  <p:clrMapOvr>
+    <a:masterClrMapping/>
+  </p:clrMapOvr>
+</p:notes>
+</file>
+
+<file path=ppt/notesSlides/notesSlide12.xml><?xml version="1.0" encoding="utf-8"?>
 <p:notes xmlns:a="http://schemas.openxmlformats.org/drawingml/2006/main" xmlns:r="http://schemas.openxmlformats.org/officeDocument/2006/relationships" xmlns:p="http://schemas.openxmlformats.org/presentationml/2006/main">
   <p:cSld>
     <p:spTree>
@@ -3896,7 +3941,7 @@
                   <a:schemeClr val="bg1"/>
                 </a:solidFill>
               </a:rPr>
-              <a:t>Computer Vision Part 1</a:t>
+              <a:t>Image Processing Part 1</a:t>
             </a:r>
             <a:endParaRPr lang="en-US" sz="4800" dirty="0">
               <a:solidFill>
@@ -5527,7 +5572,7 @@
                     <a:schemeClr val="bg1"/>
                   </a:solidFill>
                 </a:rPr>
-                <a:t>REad Image</a:t>
+                <a:t>Read Image</a:t>
               </a:r>
               <a:endParaRPr lang="en-US" sz="3600">
                 <a:solidFill>
@@ -7751,9 +7796,9 @@
         <p:grpSpPr>
           <a:xfrm>
             <a:off x="655320" y="1477645"/>
-            <a:ext cx="8251825" cy="2866390"/>
+            <a:ext cx="8251825" cy="2589530"/>
             <a:chOff x="1145" y="3123"/>
-            <a:chExt cx="12995" cy="4514"/>
+            <a:chExt cx="12995" cy="4078"/>
           </a:xfrm>
         </p:grpSpPr>
         <p:sp>
@@ -7765,7 +7810,7 @@
           <p:spPr>
             <a:xfrm>
               <a:off x="1781" y="4440"/>
-              <a:ext cx="8363" cy="3197"/>
+              <a:ext cx="8363" cy="2761"/>
             </a:xfrm>
             <a:prstGeom prst="rect">
               <a:avLst/>
@@ -7783,7 +7828,7 @@
             <a:p>
               <a:r>
                 <a:rPr lang="en-US"/>
-                <a:t>def show_image(filename, </a:t>
+                <a:t>def show_image(img, </a:t>
               </a:r>
               <a:r>
                 <a:rPr lang="en-US">
@@ -7800,14 +7845,6 @@
               <a:r>
                 <a:rPr lang="en-US"/>
                 <a:t>):</a:t>
-              </a:r>
-              <a:endParaRPr lang="en-US"/>
-            </a:p>
-            <a:p>
-              <a:pPr lvl="1"/>
-              <a:r>
-                <a:rPr lang="en-US"/>
-                <a:t>img = cv2.imread(filename)</a:t>
               </a:r>
               <a:endParaRPr lang="en-US"/>
             </a:p>
@@ -7847,9 +7884,12 @@
                 </a:rPr>
                 <a:t>plt.imshow(img)</a:t>
               </a:r>
-              <a:endParaRPr lang="en-US"/>
+              <a:endParaRPr lang="en-US">
+                <a:sym typeface="+mn-ea"/>
+              </a:endParaRPr>
             </a:p>
             <a:p>
+              <a:pPr lvl="1"/>
               <a:endParaRPr lang="en-US"/>
             </a:p>
           </p:txBody>
@@ -7907,8 +7947,8 @@
         </p:nvSpPr>
         <p:spPr>
           <a:xfrm>
-            <a:off x="1059180" y="5173345"/>
-            <a:ext cx="5310505" cy="368300"/>
+            <a:off x="1059180" y="4678045"/>
+            <a:ext cx="5310505" cy="645160"/>
           </a:xfrm>
           <a:prstGeom prst="rect">
             <a:avLst/>
@@ -7924,9 +7964,19 @@
             <a:spAutoFit/>
           </a:bodyPr>
           <a:p>
+            <a:pPr marL="0" lvl="1"/>
+            <a:r>
+              <a:rPr lang="en-US">
+                <a:sym typeface="+mn-ea"/>
+              </a:rPr>
+              <a:t>img = cv2.imread(filename)</a:t>
+            </a:r>
+            <a:endParaRPr lang="en-US"/>
+          </a:p>
+          <a:p>
             <a:r>
               <a:rPr lang="en-US"/>
-              <a:t>show_image('buah_naga_002.jpg')</a:t>
+              <a:t>show_image(img)</a:t>
             </a:r>
             <a:endParaRPr lang="en-US"/>
           </a:p>
@@ -7940,7 +7990,7 @@
         </p:nvSpPr>
         <p:spPr>
           <a:xfrm>
-            <a:off x="655320" y="4805045"/>
+            <a:off x="655320" y="4309745"/>
             <a:ext cx="8251825" cy="368300"/>
           </a:xfrm>
           <a:prstGeom prst="rect">
@@ -7984,8 +8034,8 @@
         </p:nvSpPr>
         <p:spPr>
           <a:xfrm>
-            <a:off x="1059180" y="6296025"/>
-            <a:ext cx="5310505" cy="368300"/>
+            <a:off x="1059180" y="5934075"/>
+            <a:ext cx="5310505" cy="645160"/>
           </a:xfrm>
           <a:prstGeom prst="rect">
             <a:avLst/>
@@ -8001,9 +8051,19 @@
             <a:spAutoFit/>
           </a:bodyPr>
           <a:p>
+            <a:pPr marL="0" lvl="1"/>
+            <a:r>
+              <a:rPr lang="en-US">
+                <a:sym typeface="+mn-ea"/>
+              </a:rPr>
+              <a:t>img = cv2.imread(filename)</a:t>
+            </a:r>
+            <a:endParaRPr lang="en-US"/>
+          </a:p>
+          <a:p>
             <a:r>
               <a:rPr lang="en-US"/>
-              <a:t>show_image('buah_naga_002.jpg', size=(15, 10))</a:t>
+              <a:t>show_image(img, size=(15, 10))</a:t>
             </a:r>
             <a:endParaRPr lang="en-US"/>
           </a:p>
@@ -8017,7 +8077,7 @@
         </p:nvSpPr>
         <p:spPr>
           <a:xfrm>
-            <a:off x="655320" y="5927725"/>
+            <a:off x="655320" y="5565775"/>
             <a:ext cx="8251825" cy="368300"/>
           </a:xfrm>
           <a:prstGeom prst="rect">
@@ -8062,6 +8122,258 @@
 </file>
 
 <file path=ppt/slides/slide22.xml><?xml version="1.0" encoding="utf-8"?>
+<p:sld xmlns:a="http://schemas.openxmlformats.org/drawingml/2006/main" xmlns:r="http://schemas.openxmlformats.org/officeDocument/2006/relationships" xmlns:p="http://schemas.openxmlformats.org/presentationml/2006/main">
+  <p:cSld>
+    <p:spTree>
+      <p:nvGrpSpPr>
+        <p:cNvPr id="1" name=""/>
+        <p:cNvGrpSpPr/>
+        <p:nvPr/>
+      </p:nvGrpSpPr>
+      <p:grpSpPr>
+        <a:xfrm>
+          <a:off x="0" y="0"/>
+          <a:ext cx="0" cy="0"/>
+          <a:chOff x="0" y="0"/>
+          <a:chExt cx="0" cy="0"/>
+        </a:xfrm>
+      </p:grpSpPr>
+      <p:sp>
+        <p:nvSpPr>
+          <p:cNvPr id="4" name="Rectangles 3"/>
+          <p:cNvSpPr/>
+          <p:nvPr/>
+        </p:nvSpPr>
+        <p:spPr>
+          <a:xfrm>
+            <a:off x="0" y="268605"/>
+            <a:ext cx="7663180" cy="1017905"/>
+          </a:xfrm>
+          <a:prstGeom prst="rect">
+            <a:avLst/>
+          </a:prstGeom>
+          <a:solidFill>
+            <a:srgbClr val="BC1142"/>
+          </a:solidFill>
+          <a:ln>
+            <a:noFill/>
+          </a:ln>
+        </p:spPr>
+        <p:style>
+          <a:lnRef idx="2">
+            <a:schemeClr val="accent1">
+              <a:shade val="50000"/>
+            </a:schemeClr>
+          </a:lnRef>
+          <a:fillRef idx="1">
+            <a:schemeClr val="accent1"/>
+          </a:fillRef>
+          <a:effectRef idx="0">
+            <a:schemeClr val="accent1"/>
+          </a:effectRef>
+          <a:fontRef idx="minor">
+            <a:schemeClr val="lt1"/>
+          </a:fontRef>
+        </p:style>
+        <p:txBody>
+          <a:bodyPr rtlCol="0" anchor="ctr"/>
+          <a:p>
+            <a:pPr algn="ctr"/>
+            <a:endParaRPr lang="en-US"/>
+          </a:p>
+        </p:txBody>
+      </p:sp>
+      <p:sp>
+        <p:nvSpPr>
+          <p:cNvPr id="2" name="Text Box 1"/>
+          <p:cNvSpPr txBox="1"/>
+          <p:nvPr/>
+        </p:nvSpPr>
+        <p:spPr>
+          <a:xfrm>
+            <a:off x="552450" y="455295"/>
+            <a:ext cx="4110355" cy="645160"/>
+          </a:xfrm>
+          <a:prstGeom prst="rect">
+            <a:avLst/>
+          </a:prstGeom>
+          <a:noFill/>
+        </p:spPr>
+        <p:txBody>
+          <a:bodyPr wrap="none" rtlCol="0">
+            <a:spAutoFit/>
+          </a:bodyPr>
+          <a:p>
+            <a:r>
+              <a:rPr lang="en-US" sz="3600">
+                <a:solidFill>
+                  <a:schemeClr val="bg1"/>
+                </a:solidFill>
+              </a:rPr>
+              <a:t>Show Multiple Image</a:t>
+            </a:r>
+            <a:endParaRPr lang="en-US" sz="3600">
+              <a:solidFill>
+                <a:schemeClr val="bg1"/>
+              </a:solidFill>
+            </a:endParaRPr>
+          </a:p>
+        </p:txBody>
+      </p:sp>
+      <p:grpSp>
+        <p:nvGrpSpPr>
+          <p:cNvPr id="3" name="Group 2"/>
+          <p:cNvGrpSpPr/>
+          <p:nvPr/>
+        </p:nvGrpSpPr>
+        <p:grpSpPr>
+          <a:xfrm>
+            <a:off x="655320" y="1477645"/>
+            <a:ext cx="8251825" cy="2398395"/>
+            <a:chOff x="1145" y="3123"/>
+            <a:chExt cx="12995" cy="3777"/>
+          </a:xfrm>
+        </p:grpSpPr>
+        <p:sp>
+          <p:nvSpPr>
+            <p:cNvPr id="5" name="Text Box 4"/>
+            <p:cNvSpPr txBox="1"/>
+            <p:nvPr/>
+          </p:nvSpPr>
+          <p:spPr>
+            <a:xfrm>
+              <a:off x="1781" y="3703"/>
+              <a:ext cx="8363" cy="3197"/>
+            </a:xfrm>
+            <a:prstGeom prst="rect">
+              <a:avLst/>
+            </a:prstGeom>
+            <a:solidFill>
+              <a:schemeClr val="bg1">
+                <a:lumMod val="85000"/>
+              </a:schemeClr>
+            </a:solidFill>
+          </p:spPr>
+          <p:txBody>
+            <a:bodyPr wrap="square" rtlCol="0" anchor="t">
+              <a:spAutoFit/>
+            </a:bodyPr>
+            <a:p>
+              <a:r>
+                <a:rPr lang="en-US">
+                  <a:sym typeface="+mn-ea"/>
+                </a:rPr>
+                <a:t>filenames = os.listdir("folder_1")</a:t>
+              </a:r>
+              <a:endParaRPr lang="en-US">
+                <a:sym typeface="+mn-ea"/>
+              </a:endParaRPr>
+            </a:p>
+            <a:p>
+              <a:endParaRPr lang="en-US">
+                <a:sym typeface="+mn-ea"/>
+              </a:endParaRPr>
+            </a:p>
+            <a:p>
+              <a:r>
+                <a:rPr lang="en-US">
+                  <a:sym typeface="+mn-ea"/>
+                </a:rPr>
+                <a:t>for name in filenames :</a:t>
+              </a:r>
+              <a:endParaRPr lang="en-US">
+                <a:sym typeface="+mn-ea"/>
+              </a:endParaRPr>
+            </a:p>
+            <a:p>
+              <a:r>
+                <a:rPr lang="en-US">
+                  <a:sym typeface="+mn-ea"/>
+                </a:rPr>
+                <a:t>         print(name)</a:t>
+              </a:r>
+              <a:endParaRPr lang="en-US">
+                <a:sym typeface="+mn-ea"/>
+              </a:endParaRPr>
+            </a:p>
+            <a:p>
+              <a:r>
+                <a:rPr lang="en-US">
+                  <a:sym typeface="+mn-ea"/>
+                </a:rPr>
+                <a:t>         img = cv2.imread(name)</a:t>
+              </a:r>
+              <a:endParaRPr lang="en-US"/>
+            </a:p>
+            <a:p>
+              <a:pPr lvl="1"/>
+              <a:r>
+                <a:rPr lang="en-US">
+                  <a:sym typeface="+mn-ea"/>
+                </a:rPr>
+                <a:t>show_image(img)</a:t>
+              </a:r>
+              <a:endParaRPr lang="en-US"/>
+            </a:p>
+            <a:p>
+              <a:endParaRPr lang="en-US"/>
+            </a:p>
+          </p:txBody>
+        </p:sp>
+        <p:sp>
+          <p:nvSpPr>
+            <p:cNvPr id="10" name="Text Box 9"/>
+            <p:cNvSpPr txBox="1"/>
+            <p:nvPr/>
+          </p:nvSpPr>
+          <p:spPr>
+            <a:xfrm>
+              <a:off x="1145" y="3123"/>
+              <a:ext cx="12995" cy="580"/>
+            </a:xfrm>
+            <a:prstGeom prst="rect">
+              <a:avLst/>
+            </a:prstGeom>
+            <a:noFill/>
+            <a:extLst>
+              <a:ext uri="{909E8E84-426E-40DD-AFC4-6F175D3DCCD1}">
+                <a14:hiddenFill xmlns:a14="http://schemas.microsoft.com/office/drawing/2010/main">
+                  <a:solidFill>
+                    <a:schemeClr val="bg1">
+                      <a:lumMod val="85000"/>
+                    </a:schemeClr>
+                  </a:solidFill>
+                </a14:hiddenFill>
+              </a:ext>
+            </a:extLst>
+          </p:spPr>
+          <p:txBody>
+            <a:bodyPr wrap="square" rtlCol="0" anchor="t">
+              <a:spAutoFit/>
+            </a:bodyPr>
+            <a:p>
+              <a:pPr marL="285750" indent="-285750">
+                <a:buFont typeface="Arial" panose="020B0604020202020204" pitchFamily="34" charset="0"/>
+                <a:buChar char="•"/>
+              </a:pPr>
+              <a:r>
+                <a:rPr lang="en-US"/>
+                <a:t>sekarang kita akan coba tampilkan banyak image kedalam jupyterlab</a:t>
+              </a:r>
+              <a:endParaRPr lang="en-US"/>
+            </a:p>
+          </p:txBody>
+        </p:sp>
+      </p:grpSp>
+    </p:spTree>
+  </p:cSld>
+  <p:clrMapOvr>
+    <a:masterClrMapping/>
+  </p:clrMapOvr>
+</p:sld>
+</file>
+
+<file path=ppt/slides/slide23.xml><?xml version="1.0" encoding="utf-8"?>
 <p:sld xmlns:a="http://schemas.openxmlformats.org/drawingml/2006/main" xmlns:r="http://schemas.openxmlformats.org/officeDocument/2006/relationships" xmlns:p="http://schemas.openxmlformats.org/presentationml/2006/main">
   <p:cSld>
     <p:spTree>
@@ -8413,10 +8725,10 @@
         </p:nvGrpSpPr>
         <p:grpSpPr>
           <a:xfrm>
-            <a:off x="655320" y="2877820"/>
-            <a:ext cx="9384030" cy="736600"/>
-            <a:chOff x="1145" y="3199"/>
-            <a:chExt cx="14778" cy="1160"/>
+            <a:off x="655320" y="2539365"/>
+            <a:ext cx="9384030" cy="1075055"/>
+            <a:chOff x="1145" y="2666"/>
+            <a:chExt cx="14778" cy="1693"/>
           </a:xfrm>
         </p:grpSpPr>
         <p:sp>
@@ -8464,7 +8776,7 @@
           </p:nvSpPr>
           <p:spPr>
             <a:xfrm>
-              <a:off x="1145" y="3199"/>
+              <a:off x="1145" y="2666"/>
               <a:ext cx="14778" cy="1016"/>
             </a:xfrm>
             <a:prstGeom prst="rect">
@@ -8528,10 +8840,10 @@
         </p:nvGrpSpPr>
         <p:grpSpPr>
           <a:xfrm>
-            <a:off x="655320" y="4071620"/>
-            <a:ext cx="9142730" cy="736600"/>
-            <a:chOff x="1145" y="3199"/>
-            <a:chExt cx="14398" cy="1160"/>
+            <a:off x="655320" y="3794760"/>
+            <a:ext cx="9142730" cy="1013460"/>
+            <a:chOff x="1145" y="2763"/>
+            <a:chExt cx="14398" cy="1596"/>
           </a:xfrm>
         </p:grpSpPr>
         <p:sp>
@@ -8579,7 +8891,7 @@
           </p:nvSpPr>
           <p:spPr>
             <a:xfrm>
-              <a:off x="1145" y="3199"/>
+              <a:off x="1145" y="2763"/>
               <a:ext cx="14398" cy="1016"/>
             </a:xfrm>
             <a:prstGeom prst="rect">
@@ -8752,10 +9064,10 @@
         </p:nvGrpSpPr>
         <p:grpSpPr>
           <a:xfrm>
-            <a:off x="655320" y="1525905"/>
-            <a:ext cx="11170285" cy="3506470"/>
-            <a:chOff x="1145" y="3199"/>
-            <a:chExt cx="17591" cy="5522"/>
+            <a:off x="655320" y="1286510"/>
+            <a:ext cx="11170285" cy="4577080"/>
+            <a:chOff x="1145" y="2822"/>
+            <a:chExt cx="17591" cy="7208"/>
           </a:xfrm>
         </p:grpSpPr>
         <p:sp>
@@ -8767,7 +9079,7 @@
           <p:spPr>
             <a:xfrm>
               <a:off x="1145" y="3779"/>
-              <a:ext cx="17591" cy="4942"/>
+              <a:ext cx="17591" cy="6251"/>
             </a:xfrm>
             <a:prstGeom prst="rect">
               <a:avLst/>
@@ -8903,6 +9215,25 @@
                 </a:rPr>
                 <a:t>sudo apt-get -y install x264 v4l-utils ffmpeg</a:t>
               </a:r>
+              <a:endParaRPr lang="en-US">
+                <a:sym typeface="+mn-ea"/>
+              </a:endParaRPr>
+            </a:p>
+            <a:p>
+              <a:endParaRPr lang="en-US"/>
+            </a:p>
+            <a:p>
+              <a:r>
+                <a:rPr lang="en-US"/>
+                <a:t>sudo apt-get install libopenjp2-7</a:t>
+              </a:r>
+              <a:endParaRPr lang="en-US"/>
+            </a:p>
+            <a:p>
+              <a:r>
+                <a:rPr lang="en-US"/>
+                <a:t>sudo apt-get install libjasper-dev</a:t>
+              </a:r>
               <a:endParaRPr lang="en-US"/>
             </a:p>
           </p:txBody>
@@ -8915,8 +9246,8 @@
           </p:nvSpPr>
           <p:spPr>
             <a:xfrm>
-              <a:off x="1145" y="3199"/>
-              <a:ext cx="13424" cy="1016"/>
+              <a:off x="1145" y="2822"/>
+              <a:ext cx="13424" cy="580"/>
             </a:xfrm>
             <a:prstGeom prst="rect">
               <a:avLst/>
@@ -8963,9 +9294,6 @@
                 </a:rPr>
                 <a:t>pada terminal Raspberry Pi di VSCode</a:t>
               </a:r>
-              <a:endParaRPr lang="en-US"/>
-            </a:p>
-            <a:p>
               <a:endParaRPr lang="en-US"/>
             </a:p>
           </p:txBody>

--- a/A. Raspberry Pi - Image Processing/#5 - Computer Vision Part 1 (read, show, write image)/P5 - Computer Vision Part 1 (read, show, write image).pptx
+++ b/A. Raspberry Pi - Image Processing/#5 - Computer Vision Part 1 (read, show, write image)/P5 - Computer Vision Part 1 (read, show, write image).pptx
@@ -28,9 +28,10 @@
     <p:sldId id="494" r:id="rId21"/>
     <p:sldId id="490" r:id="rId22"/>
     <p:sldId id="491" r:id="rId23"/>
-    <p:sldId id="492" r:id="rId24"/>
-    <p:sldId id="507" r:id="rId25"/>
-    <p:sldId id="280" r:id="rId26"/>
+    <p:sldId id="509" r:id="rId24"/>
+    <p:sldId id="492" r:id="rId25"/>
+    <p:sldId id="507" r:id="rId26"/>
+    <p:sldId id="280" r:id="rId27"/>
   </p:sldIdLst>
   <p:sldSz cx="12192000" cy="6858000"/>
   <p:notesSz cx="6858000" cy="9144000"/>
@@ -612,6 +613,50 @@
 </file>
 
 <file path=ppt/notesSlides/notesSlide12.xml><?xml version="1.0" encoding="utf-8"?>
+<p:notes xmlns:a="http://schemas.openxmlformats.org/drawingml/2006/main" xmlns:r="http://schemas.openxmlformats.org/officeDocument/2006/relationships" xmlns:p="http://schemas.openxmlformats.org/presentationml/2006/main">
+  <p:cSld>
+    <p:spTree>
+      <p:nvGrpSpPr>
+        <p:cNvPr id="1" name=""/>
+        <p:cNvGrpSpPr/>
+        <p:nvPr/>
+      </p:nvGrpSpPr>
+      <p:grpSpPr/>
+      <p:sp>
+        <p:nvSpPr>
+          <p:cNvPr id="2" name="Slide Image Placeholder 1"/>
+          <p:cNvSpPr/>
+          <p:nvPr>
+            <p:ph type="sldImg" idx="2"/>
+          </p:nvPr>
+        </p:nvSpPr>
+        <p:spPr/>
+      </p:sp>
+      <p:sp>
+        <p:nvSpPr>
+          <p:cNvPr id="3" name="Text Placeholder 2"/>
+          <p:cNvSpPr/>
+          <p:nvPr>
+            <p:ph type="body" idx="3"/>
+          </p:nvPr>
+        </p:nvSpPr>
+        <p:spPr/>
+        <p:txBody>
+          <a:bodyPr/>
+          <a:p>
+            <a:endParaRPr lang="en-US"/>
+          </a:p>
+        </p:txBody>
+      </p:sp>
+    </p:spTree>
+  </p:cSld>
+  <p:clrMapOvr>
+    <a:masterClrMapping/>
+  </p:clrMapOvr>
+</p:notes>
+</file>
+
+<file path=ppt/notesSlides/notesSlide13.xml><?xml version="1.0" encoding="utf-8"?>
 <p:notes xmlns:a="http://schemas.openxmlformats.org/drawingml/2006/main" xmlns:r="http://schemas.openxmlformats.org/officeDocument/2006/relationships" xmlns:p="http://schemas.openxmlformats.org/presentationml/2006/main">
   <p:cSld>
     <p:spTree>
@@ -7714,7 +7759,7 @@
         <p:spPr>
           <a:xfrm>
             <a:off x="0" y="268605"/>
-            <a:ext cx="7663180" cy="1017905"/>
+            <a:ext cx="9983470" cy="1017905"/>
           </a:xfrm>
           <a:prstGeom prst="rect">
             <a:avLst/>
@@ -7759,7 +7804,7 @@
         <p:spPr>
           <a:xfrm>
             <a:off x="552450" y="455295"/>
-            <a:ext cx="6663690" cy="645160"/>
+            <a:ext cx="8484870" cy="645160"/>
           </a:xfrm>
           <a:prstGeom prst="rect">
             <a:avLst/>
@@ -7777,7 +7822,7 @@
                   <a:schemeClr val="bg1"/>
                 </a:solidFill>
               </a:rPr>
-              <a:t>Function untuk read &amp; show image</a:t>
+              <a:t>Menghilangkan grid dan Menambahkan Title</a:t>
             </a:r>
             <a:endParaRPr lang="en-US" sz="3600">
               <a:solidFill>
@@ -7795,10 +7840,10 @@
         </p:nvGrpSpPr>
         <p:grpSpPr>
           <a:xfrm>
-            <a:off x="655320" y="1477645"/>
-            <a:ext cx="8251825" cy="2589530"/>
-            <a:chOff x="1145" y="3123"/>
-            <a:chExt cx="12995" cy="4078"/>
+            <a:off x="655320" y="1525905"/>
+            <a:ext cx="8251825" cy="1567180"/>
+            <a:chOff x="1145" y="3199"/>
+            <a:chExt cx="12995" cy="2468"/>
           </a:xfrm>
         </p:grpSpPr>
         <p:sp>
@@ -7809,8 +7854,8 @@
           </p:nvSpPr>
           <p:spPr>
             <a:xfrm>
-              <a:off x="1781" y="4440"/>
-              <a:ext cx="8363" cy="2761"/>
+              <a:off x="1734" y="3779"/>
+              <a:ext cx="8363" cy="1888"/>
             </a:xfrm>
             <a:prstGeom prst="rect">
               <a:avLst/>
@@ -7828,69 +7873,30 @@
             <a:p>
               <a:r>
                 <a:rPr lang="en-US"/>
-                <a:t>def show_image(img, </a:t>
-              </a:r>
-              <a:r>
-                <a:rPr lang="en-US">
-                  <a:sym typeface="+mn-ea"/>
-                </a:rPr>
-                <a:t>size</a:t>
-              </a:r>
-              <a:r>
-                <a:rPr lang="en-US">
-                  <a:sym typeface="+mn-ea"/>
-                </a:rPr>
-                <a:t>=(10, 7)</a:t>
-              </a:r>
-              <a:r>
-                <a:rPr lang="en-US"/>
-                <a:t>):</a:t>
+                <a:t>plt.figure(figsize=(10, 7))</a:t>
               </a:r>
               <a:endParaRPr lang="en-US"/>
             </a:p>
             <a:p>
-              <a:pPr lvl="1"/>
               <a:r>
                 <a:rPr lang="en-US"/>
-                <a:t>img_reverse = img[ :, :, ::-1]</a:t>
+                <a:t>plt.imshow(img_reverse)</a:t>
               </a:r>
               <a:endParaRPr lang="en-US"/>
             </a:p>
             <a:p>
-              <a:pPr lvl="1"/>
-              <a:endParaRPr lang="en-US"/>
+              <a:r>
+                <a:rPr lang="en-US" b="1"/>
+                <a:t>plt.title('my image')</a:t>
+              </a:r>
+              <a:endParaRPr lang="en-US" b="1"/>
             </a:p>
             <a:p>
-              <a:pPr lvl="1"/>
-              <a:r>
-                <a:rPr lang="en-US"/>
-                <a:t>plt.figure(figsize=</a:t>
-              </a:r>
-              <a:r>
-                <a:rPr lang="en-US">
-                  <a:sym typeface="+mn-ea"/>
-                </a:rPr>
-                <a:t>size)</a:t>
-              </a:r>
-              <a:endParaRPr lang="en-US">
-                <a:sym typeface="+mn-ea"/>
-              </a:endParaRPr>
-            </a:p>
-            <a:p>
-              <a:pPr lvl="1"/>
-              <a:r>
-                <a:rPr lang="en-US">
-                  <a:sym typeface="+mn-ea"/>
-                </a:rPr>
-                <a:t>plt.imshow(img)</a:t>
-              </a:r>
-              <a:endParaRPr lang="en-US">
-                <a:sym typeface="+mn-ea"/>
-              </a:endParaRPr>
-            </a:p>
-            <a:p>
-              <a:pPr lvl="1"/>
-              <a:endParaRPr lang="en-US"/>
+              <a:r>
+                <a:rPr lang="en-US" b="1"/>
+                <a:t>plt.axis('off')</a:t>
+              </a:r>
+              <a:endParaRPr lang="en-US" b="1"/>
             </a:p>
           </p:txBody>
         </p:sp>
@@ -7902,8 +7908,8 @@
           </p:nvSpPr>
           <p:spPr>
             <a:xfrm>
-              <a:off x="1145" y="3123"/>
-              <a:ext cx="12995" cy="1016"/>
+              <a:off x="1145" y="3199"/>
+              <a:ext cx="12995" cy="580"/>
             </a:xfrm>
             <a:prstGeom prst="rect">
               <a:avLst/>
@@ -7931,188 +7937,51 @@
                 <a:buChar char="•"/>
               </a:pPr>
               <a:r>
-                <a:rPr lang="en-US"/>
-                <a:t>sekarang kita akan masukan program membaca dan menampilkan citra yang dibuat kedalam function</a:t>
-              </a:r>
-              <a:endParaRPr lang="en-US"/>
+                <a:rPr lang="en-US">
+                  <a:solidFill>
+                    <a:schemeClr val="tx1"/>
+                  </a:solidFill>
+                  <a:sym typeface="+mn-ea"/>
+                </a:rPr>
+                <a:t>Menghilangkan </a:t>
+              </a:r>
+              <a:r>
+                <a:rPr lang="en-US" b="1">
+                  <a:solidFill>
+                    <a:schemeClr val="tx1"/>
+                  </a:solidFill>
+                  <a:sym typeface="+mn-ea"/>
+                </a:rPr>
+                <a:t>grid axis </a:t>
+              </a:r>
+              <a:r>
+                <a:rPr lang="en-US">
+                  <a:solidFill>
+                    <a:schemeClr val="tx1"/>
+                  </a:solidFill>
+                  <a:sym typeface="+mn-ea"/>
+                </a:rPr>
+                <a:t>dan Menambahkan </a:t>
+              </a:r>
+              <a:r>
+                <a:rPr lang="en-US" b="1">
+                  <a:solidFill>
+                    <a:schemeClr val="tx1"/>
+                  </a:solidFill>
+                  <a:sym typeface="+mn-ea"/>
+                </a:rPr>
+                <a:t>Title</a:t>
+              </a:r>
+              <a:endParaRPr lang="en-US" b="1">
+                <a:solidFill>
+                  <a:schemeClr val="tx1"/>
+                </a:solidFill>
+                <a:sym typeface="+mn-ea"/>
+              </a:endParaRPr>
             </a:p>
           </p:txBody>
         </p:sp>
       </p:grpSp>
-      <p:sp>
-        <p:nvSpPr>
-          <p:cNvPr id="6" name="Text Box 5"/>
-          <p:cNvSpPr txBox="1"/>
-          <p:nvPr/>
-        </p:nvSpPr>
-        <p:spPr>
-          <a:xfrm>
-            <a:off x="1059180" y="4678045"/>
-            <a:ext cx="5310505" cy="645160"/>
-          </a:xfrm>
-          <a:prstGeom prst="rect">
-            <a:avLst/>
-          </a:prstGeom>
-          <a:solidFill>
-            <a:schemeClr val="bg1">
-              <a:lumMod val="85000"/>
-            </a:schemeClr>
-          </a:solidFill>
-        </p:spPr>
-        <p:txBody>
-          <a:bodyPr wrap="square" rtlCol="0" anchor="t">
-            <a:spAutoFit/>
-          </a:bodyPr>
-          <a:p>
-            <a:pPr marL="0" lvl="1"/>
-            <a:r>
-              <a:rPr lang="en-US">
-                <a:sym typeface="+mn-ea"/>
-              </a:rPr>
-              <a:t>img = cv2.imread(filename)</a:t>
-            </a:r>
-            <a:endParaRPr lang="en-US"/>
-          </a:p>
-          <a:p>
-            <a:r>
-              <a:rPr lang="en-US"/>
-              <a:t>show_image(img)</a:t>
-            </a:r>
-            <a:endParaRPr lang="en-US"/>
-          </a:p>
-        </p:txBody>
-      </p:sp>
-      <p:sp>
-        <p:nvSpPr>
-          <p:cNvPr id="7" name="Text Box 6"/>
-          <p:cNvSpPr txBox="1"/>
-          <p:nvPr/>
-        </p:nvSpPr>
-        <p:spPr>
-          <a:xfrm>
-            <a:off x="655320" y="4309745"/>
-            <a:ext cx="8251825" cy="368300"/>
-          </a:xfrm>
-          <a:prstGeom prst="rect">
-            <a:avLst/>
-          </a:prstGeom>
-          <a:noFill/>
-          <a:extLst>
-            <a:ext uri="{909E8E84-426E-40DD-AFC4-6F175D3DCCD1}">
-              <a14:hiddenFill xmlns:a14="http://schemas.microsoft.com/office/drawing/2010/main">
-                <a:solidFill>
-                  <a:schemeClr val="bg1">
-                    <a:lumMod val="85000"/>
-                  </a:schemeClr>
-                </a:solidFill>
-              </a14:hiddenFill>
-            </a:ext>
-          </a:extLst>
-        </p:spPr>
-        <p:txBody>
-          <a:bodyPr wrap="square" rtlCol="0" anchor="t">
-            <a:spAutoFit/>
-          </a:bodyPr>
-          <a:p>
-            <a:pPr marL="285750" indent="-285750">
-              <a:buFont typeface="Arial" panose="020B0604020202020204" pitchFamily="34" charset="0"/>
-              <a:buChar char="•"/>
-            </a:pPr>
-            <a:r>
-              <a:rPr lang="en-US"/>
-              <a:t>panggil function menggunakan</a:t>
-            </a:r>
-            <a:endParaRPr lang="en-US"/>
-          </a:p>
-        </p:txBody>
-      </p:sp>
-      <p:sp>
-        <p:nvSpPr>
-          <p:cNvPr id="8" name="Text Box 7"/>
-          <p:cNvSpPr txBox="1"/>
-          <p:nvPr/>
-        </p:nvSpPr>
-        <p:spPr>
-          <a:xfrm>
-            <a:off x="1059180" y="5934075"/>
-            <a:ext cx="5310505" cy="645160"/>
-          </a:xfrm>
-          <a:prstGeom prst="rect">
-            <a:avLst/>
-          </a:prstGeom>
-          <a:solidFill>
-            <a:schemeClr val="bg1">
-              <a:lumMod val="85000"/>
-            </a:schemeClr>
-          </a:solidFill>
-        </p:spPr>
-        <p:txBody>
-          <a:bodyPr wrap="square" rtlCol="0" anchor="t">
-            <a:spAutoFit/>
-          </a:bodyPr>
-          <a:p>
-            <a:pPr marL="0" lvl="1"/>
-            <a:r>
-              <a:rPr lang="en-US">
-                <a:sym typeface="+mn-ea"/>
-              </a:rPr>
-              <a:t>img = cv2.imread(filename)</a:t>
-            </a:r>
-            <a:endParaRPr lang="en-US"/>
-          </a:p>
-          <a:p>
-            <a:r>
-              <a:rPr lang="en-US"/>
-              <a:t>show_image(img, size=(15, 10))</a:t>
-            </a:r>
-            <a:endParaRPr lang="en-US"/>
-          </a:p>
-        </p:txBody>
-      </p:sp>
-      <p:sp>
-        <p:nvSpPr>
-          <p:cNvPr id="11" name="Text Box 10"/>
-          <p:cNvSpPr txBox="1"/>
-          <p:nvPr/>
-        </p:nvSpPr>
-        <p:spPr>
-          <a:xfrm>
-            <a:off x="655320" y="5565775"/>
-            <a:ext cx="8251825" cy="368300"/>
-          </a:xfrm>
-          <a:prstGeom prst="rect">
-            <a:avLst/>
-          </a:prstGeom>
-          <a:noFill/>
-          <a:extLst>
-            <a:ext uri="{909E8E84-426E-40DD-AFC4-6F175D3DCCD1}">
-              <a14:hiddenFill xmlns:a14="http://schemas.microsoft.com/office/drawing/2010/main">
-                <a:solidFill>
-                  <a:schemeClr val="bg1">
-                    <a:lumMod val="85000"/>
-                  </a:schemeClr>
-                </a:solidFill>
-              </a14:hiddenFill>
-            </a:ext>
-          </a:extLst>
-        </p:spPr>
-        <p:txBody>
-          <a:bodyPr wrap="square" rtlCol="0" anchor="t">
-            <a:spAutoFit/>
-          </a:bodyPr>
-          <a:p>
-            <a:pPr marL="285750" indent="-285750">
-              <a:buFont typeface="Arial" panose="020B0604020202020204" pitchFamily="34" charset="0"/>
-              <a:buChar char="•"/>
-            </a:pPr>
-            <a:r>
-              <a:rPr lang="en-US"/>
-              <a:t>atau dapat juga kita ganti ukuran citranya</a:t>
-            </a:r>
-            <a:endParaRPr lang="en-US"/>
-          </a:p>
-        </p:txBody>
-      </p:sp>
     </p:spTree>
   </p:cSld>
   <p:clrMapOvr>
@@ -8192,6 +8061,475 @@
         <p:spPr>
           <a:xfrm>
             <a:off x="552450" y="455295"/>
+            <a:ext cx="6663690" cy="645160"/>
+          </a:xfrm>
+          <a:prstGeom prst="rect">
+            <a:avLst/>
+          </a:prstGeom>
+          <a:noFill/>
+        </p:spPr>
+        <p:txBody>
+          <a:bodyPr wrap="none" rtlCol="0">
+            <a:spAutoFit/>
+          </a:bodyPr>
+          <a:p>
+            <a:r>
+              <a:rPr lang="en-US" sz="3600">
+                <a:solidFill>
+                  <a:schemeClr val="bg1"/>
+                </a:solidFill>
+              </a:rPr>
+              <a:t>Function untuk read &amp; show image</a:t>
+            </a:r>
+            <a:endParaRPr lang="en-US" sz="3600">
+              <a:solidFill>
+                <a:schemeClr val="bg1"/>
+              </a:solidFill>
+            </a:endParaRPr>
+          </a:p>
+        </p:txBody>
+      </p:sp>
+      <p:grpSp>
+        <p:nvGrpSpPr>
+          <p:cNvPr id="3" name="Group 2"/>
+          <p:cNvGrpSpPr/>
+          <p:nvPr/>
+        </p:nvGrpSpPr>
+        <p:grpSpPr>
+          <a:xfrm>
+            <a:off x="655320" y="1477645"/>
+            <a:ext cx="10467340" cy="2398395"/>
+            <a:chOff x="1145" y="3123"/>
+            <a:chExt cx="12995" cy="3777"/>
+          </a:xfrm>
+        </p:grpSpPr>
+        <p:sp>
+          <p:nvSpPr>
+            <p:cNvPr id="5" name="Text Box 4"/>
+            <p:cNvSpPr txBox="1"/>
+            <p:nvPr/>
+          </p:nvSpPr>
+          <p:spPr>
+            <a:xfrm>
+              <a:off x="1646" y="3703"/>
+              <a:ext cx="10867" cy="3197"/>
+            </a:xfrm>
+            <a:prstGeom prst="rect">
+              <a:avLst/>
+            </a:prstGeom>
+            <a:solidFill>
+              <a:schemeClr val="bg1">
+                <a:lumMod val="85000"/>
+              </a:schemeClr>
+            </a:solidFill>
+          </p:spPr>
+          <p:txBody>
+            <a:bodyPr wrap="square" rtlCol="0" anchor="t">
+              <a:spAutoFit/>
+            </a:bodyPr>
+            <a:p>
+              <a:r>
+                <a:rPr lang="en-US"/>
+                <a:t>def show_image(img, title= 'my image', </a:t>
+              </a:r>
+              <a:r>
+                <a:rPr lang="en-US">
+                  <a:sym typeface="+mn-ea"/>
+                </a:rPr>
+                <a:t>size</a:t>
+              </a:r>
+              <a:r>
+                <a:rPr lang="en-US">
+                  <a:sym typeface="+mn-ea"/>
+                </a:rPr>
+                <a:t>=(10, 7)</a:t>
+              </a:r>
+              <a:r>
+                <a:rPr lang="en-US"/>
+                <a:t>):</a:t>
+              </a:r>
+              <a:endParaRPr lang="en-US"/>
+            </a:p>
+            <a:p>
+              <a:pPr lvl="1"/>
+              <a:r>
+                <a:rPr lang="en-US"/>
+                <a:t>img_reverse = img[ :, :, ::-1]</a:t>
+              </a:r>
+              <a:endParaRPr lang="en-US"/>
+            </a:p>
+            <a:p>
+              <a:pPr lvl="1"/>
+              <a:endParaRPr lang="en-US"/>
+            </a:p>
+            <a:p>
+              <a:pPr lvl="1"/>
+              <a:r>
+                <a:rPr lang="en-US"/>
+                <a:t>plt.figure(figsize=</a:t>
+              </a:r>
+              <a:r>
+                <a:rPr lang="en-US">
+                  <a:sym typeface="+mn-ea"/>
+                </a:rPr>
+                <a:t>size)</a:t>
+              </a:r>
+              <a:endParaRPr lang="en-US">
+                <a:sym typeface="+mn-ea"/>
+              </a:endParaRPr>
+            </a:p>
+            <a:p>
+              <a:pPr lvl="1"/>
+              <a:r>
+                <a:rPr lang="en-US">
+                  <a:sym typeface="+mn-ea"/>
+                </a:rPr>
+                <a:t>plt.imshow(img)</a:t>
+              </a:r>
+              <a:endParaRPr lang="en-US">
+                <a:sym typeface="+mn-ea"/>
+              </a:endParaRPr>
+            </a:p>
+            <a:p>
+              <a:pPr lvl="1"/>
+              <a:r>
+                <a:rPr lang="en-US">
+                  <a:sym typeface="+mn-ea"/>
+                </a:rPr>
+                <a:t>plt.title(title)</a:t>
+              </a:r>
+              <a:endParaRPr lang="en-US"/>
+            </a:p>
+            <a:p>
+              <a:pPr lvl="1"/>
+              <a:r>
+                <a:rPr lang="en-US">
+                  <a:sym typeface="+mn-ea"/>
+                </a:rPr>
+                <a:t>plt.axis('off')</a:t>
+              </a:r>
+              <a:endParaRPr lang="en-US"/>
+            </a:p>
+          </p:txBody>
+        </p:sp>
+        <p:sp>
+          <p:nvSpPr>
+            <p:cNvPr id="10" name="Text Box 9"/>
+            <p:cNvSpPr txBox="1"/>
+            <p:nvPr/>
+          </p:nvSpPr>
+          <p:spPr>
+            <a:xfrm>
+              <a:off x="1145" y="3123"/>
+              <a:ext cx="12995" cy="580"/>
+            </a:xfrm>
+            <a:prstGeom prst="rect">
+              <a:avLst/>
+            </a:prstGeom>
+            <a:noFill/>
+            <a:extLst>
+              <a:ext uri="{909E8E84-426E-40DD-AFC4-6F175D3DCCD1}">
+                <a14:hiddenFill xmlns:a14="http://schemas.microsoft.com/office/drawing/2010/main">
+                  <a:solidFill>
+                    <a:schemeClr val="bg1">
+                      <a:lumMod val="85000"/>
+                    </a:schemeClr>
+                  </a:solidFill>
+                </a14:hiddenFill>
+              </a:ext>
+            </a:extLst>
+          </p:spPr>
+          <p:txBody>
+            <a:bodyPr wrap="square" rtlCol="0" anchor="t">
+              <a:spAutoFit/>
+            </a:bodyPr>
+            <a:p>
+              <a:pPr marL="285750" indent="-285750">
+                <a:buFont typeface="Arial" panose="020B0604020202020204" pitchFamily="34" charset="0"/>
+                <a:buChar char="•"/>
+              </a:pPr>
+              <a:r>
+                <a:rPr lang="en-US"/>
+                <a:t>sekarang kita akan masukan program membaca dan menampilkan citra yang dibuat kedalam function</a:t>
+              </a:r>
+              <a:endParaRPr lang="en-US"/>
+            </a:p>
+          </p:txBody>
+        </p:sp>
+      </p:grpSp>
+      <p:sp>
+        <p:nvSpPr>
+          <p:cNvPr id="6" name="Text Box 5"/>
+          <p:cNvSpPr txBox="1"/>
+          <p:nvPr/>
+        </p:nvSpPr>
+        <p:spPr>
+          <a:xfrm>
+            <a:off x="1059180" y="4692650"/>
+            <a:ext cx="8753475" cy="645160"/>
+          </a:xfrm>
+          <a:prstGeom prst="rect">
+            <a:avLst/>
+          </a:prstGeom>
+          <a:solidFill>
+            <a:schemeClr val="bg1">
+              <a:lumMod val="85000"/>
+            </a:schemeClr>
+          </a:solidFill>
+        </p:spPr>
+        <p:txBody>
+          <a:bodyPr wrap="square" rtlCol="0" anchor="t">
+            <a:spAutoFit/>
+          </a:bodyPr>
+          <a:p>
+            <a:pPr marL="0" lvl="1"/>
+            <a:r>
+              <a:rPr lang="en-US">
+                <a:sym typeface="+mn-ea"/>
+              </a:rPr>
+              <a:t>img = cv2.imread(filename)</a:t>
+            </a:r>
+            <a:endParaRPr lang="en-US"/>
+          </a:p>
+          <a:p>
+            <a:r>
+              <a:rPr lang="en-US"/>
+              <a:t>show_image(img, </a:t>
+            </a:r>
+            <a:r>
+              <a:rPr lang="en-US">
+                <a:sym typeface="+mn-ea"/>
+              </a:rPr>
+              <a:t> title='gambar buah naga'</a:t>
+            </a:r>
+            <a:r>
+              <a:rPr lang="en-US"/>
+              <a:t>)</a:t>
+            </a:r>
+            <a:endParaRPr lang="en-US"/>
+          </a:p>
+        </p:txBody>
+      </p:sp>
+      <p:sp>
+        <p:nvSpPr>
+          <p:cNvPr id="7" name="Text Box 6"/>
+          <p:cNvSpPr txBox="1"/>
+          <p:nvPr/>
+        </p:nvSpPr>
+        <p:spPr>
+          <a:xfrm>
+            <a:off x="655320" y="4324350"/>
+            <a:ext cx="8251825" cy="368300"/>
+          </a:xfrm>
+          <a:prstGeom prst="rect">
+            <a:avLst/>
+          </a:prstGeom>
+          <a:noFill/>
+          <a:extLst>
+            <a:ext uri="{909E8E84-426E-40DD-AFC4-6F175D3DCCD1}">
+              <a14:hiddenFill xmlns:a14="http://schemas.microsoft.com/office/drawing/2010/main">
+                <a:solidFill>
+                  <a:schemeClr val="bg1">
+                    <a:lumMod val="85000"/>
+                  </a:schemeClr>
+                </a:solidFill>
+              </a14:hiddenFill>
+            </a:ext>
+          </a:extLst>
+        </p:spPr>
+        <p:txBody>
+          <a:bodyPr wrap="square" rtlCol="0" anchor="t">
+            <a:spAutoFit/>
+          </a:bodyPr>
+          <a:p>
+            <a:pPr marL="285750" indent="-285750">
+              <a:buFont typeface="Arial" panose="020B0604020202020204" pitchFamily="34" charset="0"/>
+              <a:buChar char="•"/>
+            </a:pPr>
+            <a:r>
+              <a:rPr lang="en-US"/>
+              <a:t>panggil function menggunakan</a:t>
+            </a:r>
+            <a:endParaRPr lang="en-US"/>
+          </a:p>
+        </p:txBody>
+      </p:sp>
+      <p:sp>
+        <p:nvSpPr>
+          <p:cNvPr id="8" name="Text Box 7"/>
+          <p:cNvSpPr txBox="1"/>
+          <p:nvPr/>
+        </p:nvSpPr>
+        <p:spPr>
+          <a:xfrm>
+            <a:off x="1059180" y="5948680"/>
+            <a:ext cx="8754110" cy="645160"/>
+          </a:xfrm>
+          <a:prstGeom prst="rect">
+            <a:avLst/>
+          </a:prstGeom>
+          <a:solidFill>
+            <a:schemeClr val="bg1">
+              <a:lumMod val="85000"/>
+            </a:schemeClr>
+          </a:solidFill>
+        </p:spPr>
+        <p:txBody>
+          <a:bodyPr wrap="square" rtlCol="0" anchor="t">
+            <a:spAutoFit/>
+          </a:bodyPr>
+          <a:p>
+            <a:pPr marL="0" lvl="1"/>
+            <a:r>
+              <a:rPr lang="en-US">
+                <a:sym typeface="+mn-ea"/>
+              </a:rPr>
+              <a:t>img = cv2.imread(filename)</a:t>
+            </a:r>
+            <a:endParaRPr lang="en-US"/>
+          </a:p>
+          <a:p>
+            <a:r>
+              <a:rPr lang="en-US"/>
+              <a:t>show_image(img, </a:t>
+            </a:r>
+            <a:r>
+              <a:rPr lang="en-US">
+                <a:sym typeface="+mn-ea"/>
+              </a:rPr>
+              <a:t> title='gambar buah naga', </a:t>
+            </a:r>
+            <a:r>
+              <a:rPr lang="en-US"/>
+              <a:t>size=(15, 10))</a:t>
+            </a:r>
+            <a:endParaRPr lang="en-US"/>
+          </a:p>
+        </p:txBody>
+      </p:sp>
+      <p:sp>
+        <p:nvSpPr>
+          <p:cNvPr id="11" name="Text Box 10"/>
+          <p:cNvSpPr txBox="1"/>
+          <p:nvPr/>
+        </p:nvSpPr>
+        <p:spPr>
+          <a:xfrm>
+            <a:off x="655320" y="5580380"/>
+            <a:ext cx="8251825" cy="368300"/>
+          </a:xfrm>
+          <a:prstGeom prst="rect">
+            <a:avLst/>
+          </a:prstGeom>
+          <a:noFill/>
+          <a:extLst>
+            <a:ext uri="{909E8E84-426E-40DD-AFC4-6F175D3DCCD1}">
+              <a14:hiddenFill xmlns:a14="http://schemas.microsoft.com/office/drawing/2010/main">
+                <a:solidFill>
+                  <a:schemeClr val="bg1">
+                    <a:lumMod val="85000"/>
+                  </a:schemeClr>
+                </a:solidFill>
+              </a14:hiddenFill>
+            </a:ext>
+          </a:extLst>
+        </p:spPr>
+        <p:txBody>
+          <a:bodyPr wrap="square" rtlCol="0" anchor="t">
+            <a:spAutoFit/>
+          </a:bodyPr>
+          <a:p>
+            <a:pPr marL="285750" indent="-285750">
+              <a:buFont typeface="Arial" panose="020B0604020202020204" pitchFamily="34" charset="0"/>
+              <a:buChar char="•"/>
+            </a:pPr>
+            <a:r>
+              <a:rPr lang="en-US"/>
+              <a:t>atau dapat juga kita ganti ukuran citranya</a:t>
+            </a:r>
+            <a:endParaRPr lang="en-US"/>
+          </a:p>
+        </p:txBody>
+      </p:sp>
+    </p:spTree>
+  </p:cSld>
+  <p:clrMapOvr>
+    <a:masterClrMapping/>
+  </p:clrMapOvr>
+</p:sld>
+</file>
+
+<file path=ppt/slides/slide23.xml><?xml version="1.0" encoding="utf-8"?>
+<p:sld xmlns:a="http://schemas.openxmlformats.org/drawingml/2006/main" xmlns:r="http://schemas.openxmlformats.org/officeDocument/2006/relationships" xmlns:p="http://schemas.openxmlformats.org/presentationml/2006/main">
+  <p:cSld>
+    <p:spTree>
+      <p:nvGrpSpPr>
+        <p:cNvPr id="1" name=""/>
+        <p:cNvGrpSpPr/>
+        <p:nvPr/>
+      </p:nvGrpSpPr>
+      <p:grpSpPr>
+        <a:xfrm>
+          <a:off x="0" y="0"/>
+          <a:ext cx="0" cy="0"/>
+          <a:chOff x="0" y="0"/>
+          <a:chExt cx="0" cy="0"/>
+        </a:xfrm>
+      </p:grpSpPr>
+      <p:sp>
+        <p:nvSpPr>
+          <p:cNvPr id="4" name="Rectangles 3"/>
+          <p:cNvSpPr/>
+          <p:nvPr/>
+        </p:nvSpPr>
+        <p:spPr>
+          <a:xfrm>
+            <a:off x="0" y="268605"/>
+            <a:ext cx="7663180" cy="1017905"/>
+          </a:xfrm>
+          <a:prstGeom prst="rect">
+            <a:avLst/>
+          </a:prstGeom>
+          <a:solidFill>
+            <a:srgbClr val="BC1142"/>
+          </a:solidFill>
+          <a:ln>
+            <a:noFill/>
+          </a:ln>
+        </p:spPr>
+        <p:style>
+          <a:lnRef idx="2">
+            <a:schemeClr val="accent1">
+              <a:shade val="50000"/>
+            </a:schemeClr>
+          </a:lnRef>
+          <a:fillRef idx="1">
+            <a:schemeClr val="accent1"/>
+          </a:fillRef>
+          <a:effectRef idx="0">
+            <a:schemeClr val="accent1"/>
+          </a:effectRef>
+          <a:fontRef idx="minor">
+            <a:schemeClr val="lt1"/>
+          </a:fontRef>
+        </p:style>
+        <p:txBody>
+          <a:bodyPr rtlCol="0" anchor="ctr"/>
+          <a:p>
+            <a:pPr algn="ctr"/>
+            <a:endParaRPr lang="en-US"/>
+          </a:p>
+        </p:txBody>
+      </p:sp>
+      <p:sp>
+        <p:nvSpPr>
+          <p:cNvPr id="2" name="Text Box 1"/>
+          <p:cNvSpPr txBox="1"/>
+          <p:nvPr/>
+        </p:nvSpPr>
+        <p:spPr>
+          <a:xfrm>
+            <a:off x="552450" y="455295"/>
             <a:ext cx="4110355" cy="645160"/>
           </a:xfrm>
           <a:prstGeom prst="rect">
@@ -8311,7 +8649,19 @@
                 <a:rPr lang="en-US">
                   <a:sym typeface="+mn-ea"/>
                 </a:rPr>
-                <a:t>show_image(img)</a:t>
+                <a:t>show_image(img, </a:t>
+              </a:r>
+              <a:r>
+                <a:rPr lang="en-US">
+                  <a:sym typeface="+mn-ea"/>
+                </a:rPr>
+                <a:t>title='gambar %s' % name</a:t>
+              </a:r>
+              <a:r>
+                <a:rPr lang="en-US">
+                  <a:sym typeface="+mn-ea"/>
+                </a:rPr>
+                <a:t>)</a:t>
               </a:r>
               <a:endParaRPr lang="en-US"/>
             </a:p>
@@ -8373,7 +8723,7 @@
 </p:sld>
 </file>
 
-<file path=ppt/slides/slide23.xml><?xml version="1.0" encoding="utf-8"?>
+<file path=ppt/slides/slide24.xml><?xml version="1.0" encoding="utf-8"?>
 <p:sld xmlns:a="http://schemas.openxmlformats.org/drawingml/2006/main" xmlns:r="http://schemas.openxmlformats.org/officeDocument/2006/relationships" xmlns:p="http://schemas.openxmlformats.org/presentationml/2006/main">
   <p:cSld>
     <p:spTree>

--- a/A. Raspberry Pi - Image Processing/#5 - Computer Vision Part 1 (read, show, write image)/P5 - Computer Vision Part 1 (read, show, write image).pptx
+++ b/A. Raspberry Pi - Image Processing/#5 - Computer Vision Part 1 (read, show, write image)/P5 - Computer Vision Part 1 (read, show, write image).pptx
@@ -8130,7 +8130,15 @@
             <a:p>
               <a:r>
                 <a:rPr lang="en-US"/>
-                <a:t>def show_image(img, title= 'my image', </a:t>
+                <a:t>def </a:t>
+              </a:r>
+              <a:r>
+                <a:rPr lang="en-US" b="1"/>
+                <a:t>show_image</a:t>
+              </a:r>
+              <a:r>
+                <a:rPr lang="en-US"/>
+                <a:t>(img, title= 'my image', </a:t>
               </a:r>
               <a:r>
                 <a:rPr lang="en-US">

--- a/A. Raspberry Pi - Image Processing/#5 - Computer Vision Part 1 (read, show, write image)/P5 - Computer Vision Part 1 (read, show, write image).pptx
+++ b/A. Raspberry Pi - Image Processing/#5 - Computer Vision Part 1 (read, show, write image)/P5 - Computer Vision Part 1 (read, show, write image).pptx
@@ -9423,9 +9423,9 @@
         <p:grpSpPr>
           <a:xfrm>
             <a:off x="655320" y="1286510"/>
-            <a:ext cx="11170285" cy="4577080"/>
+            <a:ext cx="11170285" cy="5130800"/>
             <a:chOff x="1145" y="2822"/>
-            <a:chExt cx="17591" cy="7208"/>
+            <a:chExt cx="17591" cy="8080"/>
           </a:xfrm>
         </p:grpSpPr>
         <p:sp>
@@ -9437,7 +9437,7 @@
           <p:spPr>
             <a:xfrm>
               <a:off x="1145" y="3779"/>
-              <a:ext cx="17591" cy="6251"/>
+              <a:ext cx="17591" cy="7123"/>
             </a:xfrm>
             <a:prstGeom prst="rect">
               <a:avLst/>
@@ -9591,6 +9591,16 @@
               <a:r>
                 <a:rPr lang="en-US"/>
                 <a:t>sudo apt-get install libjasper-dev</a:t>
+              </a:r>
+              <a:endParaRPr lang="en-US"/>
+            </a:p>
+            <a:p>
+              <a:endParaRPr lang="en-US"/>
+            </a:p>
+            <a:p>
+              <a:r>
+                <a:rPr lang="en-US"/>
+                <a:t>sudo apt install libgl1-mesa-glx</a:t>
               </a:r>
               <a:endParaRPr lang="en-US"/>
             </a:p>
